--- a/Installer/Tutorials/GearVRFTutorial-Lesson5.pptx
+++ b/Installer/Tutorials/GearVRFTutorial-Lesson5.pptx
@@ -252,7 +252,7 @@
           <a:p>
             <a:fld id="{0E28B5CE-A17E-45B2-B377-FA943BA06927}" type="datetimeFigureOut">
               <a:rPr lang="en-US" smtClean="0"/>
-              <a:t>7/18/2016</a:t>
+              <a:t>7/20/2016</a:t>
             </a:fld>
             <a:endParaRPr lang="en-US"/>
           </a:p>
@@ -422,7 +422,7 @@
           <a:p>
             <a:fld id="{0E28B5CE-A17E-45B2-B377-FA943BA06927}" type="datetimeFigureOut">
               <a:rPr lang="en-US" smtClean="0"/>
-              <a:t>7/18/2016</a:t>
+              <a:t>7/20/2016</a:t>
             </a:fld>
             <a:endParaRPr lang="en-US"/>
           </a:p>
@@ -602,7 +602,7 @@
           <a:p>
             <a:fld id="{0E28B5CE-A17E-45B2-B377-FA943BA06927}" type="datetimeFigureOut">
               <a:rPr lang="en-US" smtClean="0"/>
-              <a:t>7/18/2016</a:t>
+              <a:t>7/20/2016</a:t>
             </a:fld>
             <a:endParaRPr lang="en-US"/>
           </a:p>
@@ -772,7 +772,7 @@
           <a:p>
             <a:fld id="{0E28B5CE-A17E-45B2-B377-FA943BA06927}" type="datetimeFigureOut">
               <a:rPr lang="en-US" smtClean="0"/>
-              <a:t>7/18/2016</a:t>
+              <a:t>7/20/2016</a:t>
             </a:fld>
             <a:endParaRPr lang="en-US"/>
           </a:p>
@@ -1025,7 +1025,7 @@
           <a:p>
             <a:fld id="{0E28B5CE-A17E-45B2-B377-FA943BA06927}" type="datetimeFigureOut">
               <a:rPr lang="en-US" smtClean="0"/>
-              <a:t>7/18/2016</a:t>
+              <a:t>7/20/2016</a:t>
             </a:fld>
             <a:endParaRPr lang="en-US"/>
           </a:p>
@@ -1257,7 +1257,7 @@
           <a:p>
             <a:fld id="{0E28B5CE-A17E-45B2-B377-FA943BA06927}" type="datetimeFigureOut">
               <a:rPr lang="en-US" smtClean="0"/>
-              <a:t>7/18/2016</a:t>
+              <a:t>7/20/2016</a:t>
             </a:fld>
             <a:endParaRPr lang="en-US"/>
           </a:p>
@@ -1624,7 +1624,7 @@
           <a:p>
             <a:fld id="{0E28B5CE-A17E-45B2-B377-FA943BA06927}" type="datetimeFigureOut">
               <a:rPr lang="en-US" smtClean="0"/>
-              <a:t>7/18/2016</a:t>
+              <a:t>7/20/2016</a:t>
             </a:fld>
             <a:endParaRPr lang="en-US"/>
           </a:p>
@@ -1742,7 +1742,7 @@
           <a:p>
             <a:fld id="{0E28B5CE-A17E-45B2-B377-FA943BA06927}" type="datetimeFigureOut">
               <a:rPr lang="en-US" smtClean="0"/>
-              <a:t>7/18/2016</a:t>
+              <a:t>7/20/2016</a:t>
             </a:fld>
             <a:endParaRPr lang="en-US"/>
           </a:p>
@@ -1837,7 +1837,7 @@
           <a:p>
             <a:fld id="{0E28B5CE-A17E-45B2-B377-FA943BA06927}" type="datetimeFigureOut">
               <a:rPr lang="en-US" smtClean="0"/>
-              <a:t>7/18/2016</a:t>
+              <a:t>7/20/2016</a:t>
             </a:fld>
             <a:endParaRPr lang="en-US"/>
           </a:p>
@@ -2114,7 +2114,7 @@
           <a:p>
             <a:fld id="{0E28B5CE-A17E-45B2-B377-FA943BA06927}" type="datetimeFigureOut">
               <a:rPr lang="en-US" smtClean="0"/>
-              <a:t>7/18/2016</a:t>
+              <a:t>7/20/2016</a:t>
             </a:fld>
             <a:endParaRPr lang="en-US"/>
           </a:p>
@@ -2367,7 +2367,7 @@
           <a:p>
             <a:fld id="{0E28B5CE-A17E-45B2-B377-FA943BA06927}" type="datetimeFigureOut">
               <a:rPr lang="en-US" smtClean="0"/>
-              <a:t>7/18/2016</a:t>
+              <a:t>7/20/2016</a:t>
             </a:fld>
             <a:endParaRPr lang="en-US"/>
           </a:p>
@@ -2598,7 +2598,7 @@
           <a:p>
             <a:fld id="{0E28B5CE-A17E-45B2-B377-FA943BA06927}" type="datetimeFigureOut">
               <a:rPr lang="en-US" smtClean="0"/>
-              <a:t>7/18/2016</a:t>
+              <a:t>7/20/2016</a:t>
             </a:fld>
             <a:endParaRPr lang="en-US"/>
           </a:p>
@@ -3087,11 +3087,7 @@
           <a:p>
             <a:r>
               <a:rPr lang="en-US" dirty="0" smtClean="0"/>
-              <a:t>Lesson </a:t>
-            </a:r>
-            <a:r>
-              <a:rPr lang="en-US" dirty="0" smtClean="0"/>
-              <a:t>5: Sound and Text</a:t>
+              <a:t>Lesson 5: Sound and Text</a:t>
             </a:r>
             <a:endParaRPr lang="en-US" dirty="0"/>
           </a:p>
@@ -3156,15 +3152,7 @@
           <a:p>
             <a:r>
               <a:rPr lang="en-US" dirty="0" smtClean="0"/>
-              <a:t>Lesson </a:t>
-            </a:r>
-            <a:r>
-              <a:rPr lang="en-US" dirty="0" smtClean="0"/>
-              <a:t>5 </a:t>
-            </a:r>
-            <a:r>
-              <a:rPr lang="en-US" dirty="0" smtClean="0"/>
-              <a:t>Scene Graph</a:t>
+              <a:t>Lesson 5 Scene Graph</a:t>
             </a:r>
             <a:endParaRPr lang="en-US" dirty="0"/>
           </a:p>
@@ -9080,13 +9068,6 @@
               </a:rPr>
               <a:t> uses Android for sound</a:t>
             </a:r>
-            <a:endParaRPr lang="en-US" dirty="0" smtClean="0">
-              <a:solidFill>
-                <a:schemeClr val="accent4">
-                  <a:lumMod val="75000"/>
-                </a:schemeClr>
-              </a:solidFill>
-            </a:endParaRPr>
           </a:p>
           <a:p>
             <a:pPr lvl="1"/>
@@ -9098,7 +9079,6 @@
               <a:rPr lang="en-US" dirty="0" smtClean="0"/>
               <a:t> 		   sound effects</a:t>
             </a:r>
-            <a:endParaRPr lang="en-US" dirty="0" smtClean="0"/>
           </a:p>
           <a:p>
             <a:pPr lvl="1"/>
@@ -9121,7 +9101,6 @@
               <a:rPr lang="en-US" dirty="0" smtClean="0"/>
               <a:t> 3D spatial sound</a:t>
             </a:r>
-            <a:endParaRPr lang="en-US" dirty="0" smtClean="0"/>
           </a:p>
           <a:p>
             <a:pPr marL="0" indent="0">
@@ -9137,13 +9116,6 @@
               </a:rPr>
               <a:t>Lesson Example: balloon popping sound</a:t>
             </a:r>
-            <a:endParaRPr lang="en-US" dirty="0" smtClean="0">
-              <a:solidFill>
-                <a:schemeClr val="accent4">
-                  <a:lumMod val="75000"/>
-                </a:schemeClr>
-              </a:solidFill>
-            </a:endParaRPr>
           </a:p>
           <a:p>
             <a:pPr lvl="1"/>
@@ -9151,7 +9123,6 @@
               <a:rPr lang="en-US" dirty="0" smtClean="0"/>
               <a:t>Play the balloon pop when the user touches the pad while the cursor is inside one of the balloons</a:t>
             </a:r>
-            <a:endParaRPr lang="en-US" dirty="0" smtClean="0"/>
           </a:p>
           <a:p>
             <a:pPr lvl="1"/>
@@ -9159,7 +9130,6 @@
               <a:rPr lang="en-US" dirty="0" smtClean="0"/>
               <a:t>Implement as a Sound component</a:t>
             </a:r>
-            <a:endParaRPr lang="en-US" dirty="0" smtClean="0"/>
           </a:p>
           <a:p>
             <a:pPr lvl="1"/>
@@ -9167,7 +9137,6 @@
               <a:rPr lang="en-US" dirty="0" smtClean="0"/>
               <a:t>Preload the balloon pop sound</a:t>
             </a:r>
-            <a:endParaRPr lang="en-US" dirty="0" smtClean="0"/>
           </a:p>
           <a:p>
             <a:pPr lvl="1"/>
@@ -9175,7 +9144,6 @@
               <a:rPr lang="en-US" dirty="0" smtClean="0"/>
               <a:t>Play on a touch event</a:t>
             </a:r>
-            <a:endParaRPr lang="en-US" dirty="0" smtClean="0"/>
           </a:p>
           <a:p>
             <a:pPr marL="0" indent="0">
@@ -13888,6 +13856,13 @@
   <p:clrMapOvr>
     <a:masterClrMapping/>
   </p:clrMapOvr>
+  <p:timing>
+    <p:tnLst>
+      <p:par>
+        <p:cTn id="1" dur="indefinite" restart="never" nodeType="tmRoot"/>
+      </p:par>
+    </p:tnLst>
+  </p:timing>
 </p:sld>
 </file>
 
@@ -13960,11 +13935,7 @@
           <a:p>
             <a:r>
               <a:rPr lang="en-US" sz="2400" dirty="0" smtClean="0"/>
-              <a:t>Update the score based on the balloon velocity. </a:t>
-            </a:r>
-            <a:r>
-              <a:rPr lang="en-US" sz="2400" dirty="0" smtClean="0"/>
-              <a:t>It is harder to hit the faster ones so they count more. Don’t score points if the game is over.</a:t>
+              <a:t>Update the score based on the balloon velocity. It is harder to hit the faster ones so they count more. Don’t score points if the game is over.</a:t>
             </a:r>
             <a:endParaRPr lang="en-US" sz="2400" dirty="0"/>
           </a:p>
@@ -14360,6 +14331,13 @@
   <p:clrMapOvr>
     <a:masterClrMapping/>
   </p:clrMapOvr>
+  <p:timing>
+    <p:tnLst>
+      <p:par>
+        <p:cTn id="1" dur="indefinite" restart="never" nodeType="tmRoot"/>
+      </p:par>
+    </p:tnLst>
+  </p:timing>
 </p:sld>
 </file>
 
